--- a/DeepHumanPrediction/PPT/What is BVH file/BVH.pptx
+++ b/DeepHumanPrediction/PPT/What is BVH file/BVH.pptx
@@ -199,7 +199,7 @@
           <a:p>
             <a:fld id="{CC1A53A8-F02B-4C52-8A70-28EDCC38E5C4}" type="datetimeFigureOut">
               <a:rPr lang="ko-KR" altLang="en-US" smtClean="0"/>
-              <a:t>2017-06-29</a:t>
+              <a:t>2017-09-28</a:t>
             </a:fld>
             <a:endParaRPr lang="ko-KR" altLang="en-US"/>
           </a:p>
